--- a/img/Microsoft/transition.pptx
+++ b/img/Microsoft/transition.pptx
@@ -104,6 +104,11 @@
       </a:defRPr>
     </a:lvl9pPr>
   </p:defaultTextStyle>
+  <p:extLst>
+    <p:ext uri="{EFAFB233-063F-42B5-8137-9DF3F51BA10A}">
+      <p15:sldGuideLst xmlns:p15="http://schemas.microsoft.com/office/powerpoint/2012/main"/>
+    </p:ext>
+  </p:extLst>
 </p:presentation>
 </file>
 
@@ -254,7 +259,7 @@
           <a:p>
             <a:fld id="{E5C44FD7-4769-4609-BBB4-8E996590D9DD}" type="datetimeFigureOut">
               <a:rPr lang="en-US" smtClean="0"/>
-              <a:t>8/11/2020</a:t>
+              <a:t>8/12/2020</a:t>
             </a:fld>
             <a:endParaRPr lang="en-US"/>
           </a:p>
@@ -452,7 +457,7 @@
           <a:p>
             <a:fld id="{E5C44FD7-4769-4609-BBB4-8E996590D9DD}" type="datetimeFigureOut">
               <a:rPr lang="en-US" smtClean="0"/>
-              <a:t>8/11/2020</a:t>
+              <a:t>8/12/2020</a:t>
             </a:fld>
             <a:endParaRPr lang="en-US"/>
           </a:p>
@@ -660,7 +665,7 @@
           <a:p>
             <a:fld id="{E5C44FD7-4769-4609-BBB4-8E996590D9DD}" type="datetimeFigureOut">
               <a:rPr lang="en-US" smtClean="0"/>
-              <a:t>8/11/2020</a:t>
+              <a:t>8/12/2020</a:t>
             </a:fld>
             <a:endParaRPr lang="en-US"/>
           </a:p>
@@ -858,7 +863,7 @@
           <a:p>
             <a:fld id="{E5C44FD7-4769-4609-BBB4-8E996590D9DD}" type="datetimeFigureOut">
               <a:rPr lang="en-US" smtClean="0"/>
-              <a:t>8/11/2020</a:t>
+              <a:t>8/12/2020</a:t>
             </a:fld>
             <a:endParaRPr lang="en-US"/>
           </a:p>
@@ -1133,7 +1138,7 @@
           <a:p>
             <a:fld id="{E5C44FD7-4769-4609-BBB4-8E996590D9DD}" type="datetimeFigureOut">
               <a:rPr lang="en-US" smtClean="0"/>
-              <a:t>8/11/2020</a:t>
+              <a:t>8/12/2020</a:t>
             </a:fld>
             <a:endParaRPr lang="en-US"/>
           </a:p>
@@ -1398,7 +1403,7 @@
           <a:p>
             <a:fld id="{E5C44FD7-4769-4609-BBB4-8E996590D9DD}" type="datetimeFigureOut">
               <a:rPr lang="en-US" smtClean="0"/>
-              <a:t>8/11/2020</a:t>
+              <a:t>8/12/2020</a:t>
             </a:fld>
             <a:endParaRPr lang="en-US"/>
           </a:p>
@@ -1810,7 +1815,7 @@
           <a:p>
             <a:fld id="{E5C44FD7-4769-4609-BBB4-8E996590D9DD}" type="datetimeFigureOut">
               <a:rPr lang="en-US" smtClean="0"/>
-              <a:t>8/11/2020</a:t>
+              <a:t>8/12/2020</a:t>
             </a:fld>
             <a:endParaRPr lang="en-US"/>
           </a:p>
@@ -1951,7 +1956,7 @@
           <a:p>
             <a:fld id="{E5C44FD7-4769-4609-BBB4-8E996590D9DD}" type="datetimeFigureOut">
               <a:rPr lang="en-US" smtClean="0"/>
-              <a:t>8/11/2020</a:t>
+              <a:t>8/12/2020</a:t>
             </a:fld>
             <a:endParaRPr lang="en-US"/>
           </a:p>
@@ -2064,7 +2069,7 @@
           <a:p>
             <a:fld id="{E5C44FD7-4769-4609-BBB4-8E996590D9DD}" type="datetimeFigureOut">
               <a:rPr lang="en-US" smtClean="0"/>
-              <a:t>8/11/2020</a:t>
+              <a:t>8/12/2020</a:t>
             </a:fld>
             <a:endParaRPr lang="en-US"/>
           </a:p>
@@ -2375,7 +2380,7 @@
           <a:p>
             <a:fld id="{E5C44FD7-4769-4609-BBB4-8E996590D9DD}" type="datetimeFigureOut">
               <a:rPr lang="en-US" smtClean="0"/>
-              <a:t>8/11/2020</a:t>
+              <a:t>8/12/2020</a:t>
             </a:fld>
             <a:endParaRPr lang="en-US"/>
           </a:p>
@@ -2663,7 +2668,7 @@
           <a:p>
             <a:fld id="{E5C44FD7-4769-4609-BBB4-8E996590D9DD}" type="datetimeFigureOut">
               <a:rPr lang="en-US" smtClean="0"/>
-              <a:t>8/11/2020</a:t>
+              <a:t>8/12/2020</a:t>
             </a:fld>
             <a:endParaRPr lang="en-US"/>
           </a:p>
@@ -2904,7 +2909,7 @@
           <a:p>
             <a:fld id="{E5C44FD7-4769-4609-BBB4-8E996590D9DD}" type="datetimeFigureOut">
               <a:rPr lang="en-US" smtClean="0"/>
-              <a:t>8/11/2020</a:t>
+              <a:t>8/12/2020</a:t>
             </a:fld>
             <a:endParaRPr lang="en-US"/>
           </a:p>
@@ -3323,10 +3328,10 @@
       </p:grpSpPr>
       <p:grpSp>
         <p:nvGrpSpPr>
-          <p:cNvPr id="12" name="Group 11">
-            <a:extLst>
-              <a:ext uri="{FF2B5EF4-FFF2-40B4-BE49-F238E27FC236}">
-                <a16:creationId xmlns:a16="http://schemas.microsoft.com/office/drawing/2014/main" id="{2A7FAC3D-B067-4EA6-9F96-024305A7F462}"/>
+          <p:cNvPr id="5" name="Group 4">
+            <a:extLst>
+              <a:ext uri="{FF2B5EF4-FFF2-40B4-BE49-F238E27FC236}">
+                <a16:creationId xmlns:a16="http://schemas.microsoft.com/office/drawing/2014/main" id="{311484B1-D323-42C7-B61C-74314F6C480E}"/>
               </a:ext>
             </a:extLst>
           </p:cNvPr>
@@ -3335,138 +3340,239 @@
         </p:nvGrpSpPr>
         <p:grpSpPr>
           <a:xfrm>
-            <a:off x="1852246" y="2670809"/>
-            <a:ext cx="7923260" cy="1568255"/>
-            <a:chOff x="0" y="0"/>
-            <a:chExt cx="7359098" cy="1516380"/>
+            <a:off x="1852246" y="2457450"/>
+            <a:ext cx="7519615" cy="1752088"/>
+            <a:chOff x="1852246" y="2457450"/>
+            <a:chExt cx="7519615" cy="1752088"/>
           </a:xfrm>
         </p:grpSpPr>
-        <p:pic>
-          <p:nvPicPr>
-            <p:cNvPr id="9" name="Picture 8">
+        <p:grpSp>
+          <p:nvGrpSpPr>
+            <p:cNvPr id="12" name="Group 11">
               <a:extLst>
                 <a:ext uri="{FF2B5EF4-FFF2-40B4-BE49-F238E27FC236}">
-                  <a16:creationId xmlns:a16="http://schemas.microsoft.com/office/drawing/2014/main" id="{5D1ACA35-C7BA-4676-BEF0-BEBD17ECAEE6}"/>
+                  <a16:creationId xmlns:a16="http://schemas.microsoft.com/office/drawing/2014/main" id="{2A7FAC3D-B067-4EA6-9F96-024305A7F462}"/>
                 </a:ext>
               </a:extLst>
             </p:cNvPr>
-            <p:cNvPicPr>
-              <a:picLocks noChangeAspect="1"/>
-            </p:cNvPicPr>
+            <p:cNvGrpSpPr/>
             <p:nvPr/>
-          </p:nvPicPr>
-          <p:blipFill rotWithShape="1">
-            <a:blip r:embed="rId2">
+          </p:nvGrpSpPr>
+          <p:grpSpPr>
+            <a:xfrm>
+              <a:off x="1852246" y="2703671"/>
+              <a:ext cx="7519615" cy="1505867"/>
+              <a:chOff x="0" y="31775"/>
+              <a:chExt cx="6984198" cy="1456056"/>
+            </a:xfrm>
+          </p:grpSpPr>
+          <p:pic>
+            <p:nvPicPr>
+              <p:cNvPr id="9" name="Picture 8">
+                <a:extLst>
+                  <a:ext uri="{FF2B5EF4-FFF2-40B4-BE49-F238E27FC236}">
+                    <a16:creationId xmlns:a16="http://schemas.microsoft.com/office/drawing/2014/main" id="{5D1ACA35-C7BA-4676-BEF0-BEBD17ECAEE6}"/>
+                  </a:ext>
+                </a:extLst>
+              </p:cNvPr>
+              <p:cNvPicPr>
+                <a:picLocks noChangeAspect="1"/>
+              </p:cNvPicPr>
+              <p:nvPr/>
+            </p:nvPicPr>
+            <p:blipFill rotWithShape="1">
+              <a:blip r:embed="rId2">
+                <a:extLst>
+                  <a:ext uri="{28A0092B-C50C-407E-A947-70E740481C1C}">
+                    <a14:useLocalDpi xmlns:a14="http://schemas.microsoft.com/office/drawing/2010/main" val="0"/>
+                  </a:ext>
+                </a:extLst>
+              </a:blip>
+              <a:srcRect r="27294"/>
+              <a:stretch/>
+            </p:blipFill>
+            <p:spPr bwMode="auto">
+              <a:xfrm>
+                <a:off x="3182480" y="31776"/>
+                <a:ext cx="3801718" cy="1456055"/>
+              </a:xfrm>
+              <a:prstGeom prst="rect">
+                <a:avLst/>
+              </a:prstGeom>
+              <a:ln>
+                <a:noFill/>
+              </a:ln>
               <a:extLst>
-                <a:ext uri="{28A0092B-C50C-407E-A947-70E740481C1C}">
-                  <a14:useLocalDpi xmlns:a14="http://schemas.microsoft.com/office/drawing/2010/main" val="0"/>
+                <a:ext uri="{53640926-AAD7-44D8-BBD7-CCE9431645EC}">
+                  <a14:shadowObscured xmlns:a14="http://schemas.microsoft.com/office/drawing/2010/main"/>
                 </a:ext>
               </a:extLst>
-            </a:blip>
-            <a:srcRect r="27294"/>
-            <a:stretch/>
-          </p:blipFill>
-          <p:spPr bwMode="auto">
+            </p:spPr>
+          </p:pic>
+          <p:pic>
+            <p:nvPicPr>
+              <p:cNvPr id="10" name="Picture 9">
+                <a:extLst>
+                  <a:ext uri="{FF2B5EF4-FFF2-40B4-BE49-F238E27FC236}">
+                    <a16:creationId xmlns:a16="http://schemas.microsoft.com/office/drawing/2014/main" id="{C9C2C017-CE61-4651-9259-F7ADF199CF75}"/>
+                  </a:ext>
+                </a:extLst>
+              </p:cNvPr>
+              <p:cNvPicPr>
+                <a:picLocks noChangeAspect="1"/>
+              </p:cNvPicPr>
+              <p:nvPr/>
+            </p:nvPicPr>
+            <p:blipFill>
+              <a:blip r:embed="rId3">
+                <a:extLst>
+                  <a:ext uri="{28A0092B-C50C-407E-A947-70E740481C1C}">
+                    <a14:useLocalDpi xmlns:a14="http://schemas.microsoft.com/office/drawing/2010/main" val="0"/>
+                  </a:ext>
+                </a:extLst>
+              </a:blip>
+              <a:stretch>
+                <a:fillRect/>
+              </a:stretch>
+            </p:blipFill>
+            <p:spPr>
+              <a:xfrm>
+                <a:off x="0" y="31775"/>
+                <a:ext cx="2622550" cy="1456055"/>
+              </a:xfrm>
+              <a:prstGeom prst="rect">
+                <a:avLst/>
+              </a:prstGeom>
+            </p:spPr>
+          </p:pic>
+          <p:sp>
+            <p:nvSpPr>
+              <p:cNvPr id="11" name="Arrow: Right 10">
+                <a:extLst>
+                  <a:ext uri="{FF2B5EF4-FFF2-40B4-BE49-F238E27FC236}">
+                    <a16:creationId xmlns:a16="http://schemas.microsoft.com/office/drawing/2014/main" id="{2D1E21BA-752A-45AA-8B25-9B474ED26DF5}"/>
+                  </a:ext>
+                </a:extLst>
+              </p:cNvPr>
+              <p:cNvSpPr/>
+              <p:nvPr/>
+            </p:nvSpPr>
+            <p:spPr>
+              <a:xfrm>
+                <a:off x="2690242" y="700437"/>
+                <a:ext cx="410761" cy="135825"/>
+              </a:xfrm>
+              <a:prstGeom prst="rightArrow">
+                <a:avLst/>
+              </a:prstGeom>
+            </p:spPr>
+            <p:style>
+              <a:lnRef idx="2">
+                <a:schemeClr val="dk1">
+                  <a:shade val="50000"/>
+                </a:schemeClr>
+              </a:lnRef>
+              <a:fillRef idx="1">
+                <a:schemeClr val="dk1"/>
+              </a:fillRef>
+              <a:effectRef idx="0">
+                <a:schemeClr val="dk1"/>
+              </a:effectRef>
+              <a:fontRef idx="minor">
+                <a:schemeClr val="lt1"/>
+              </a:fontRef>
+            </p:style>
+            <p:txBody>
+              <a:bodyPr rot="0" spcFirstLastPara="0" vert="horz" wrap="square" lIns="91440" tIns="45720" rIns="91440" bIns="45720" numCol="1" spcCol="0" rtlCol="0" fromWordArt="0" anchor="ctr" anchorCtr="0" forceAA="0" compatLnSpc="1">
+                <a:prstTxWarp prst="textNoShape">
+                  <a:avLst/>
+                </a:prstTxWarp>
+                <a:noAutofit/>
+              </a:bodyPr>
+              <a:lstStyle/>
+              <a:p>
+                <a:endParaRPr lang="en-US"/>
+              </a:p>
+            </p:txBody>
+          </p:sp>
+        </p:grpSp>
+        <p:sp>
+          <p:nvSpPr>
+            <p:cNvPr id="3" name="TextBox 2">
+              <a:extLst>
+                <a:ext uri="{FF2B5EF4-FFF2-40B4-BE49-F238E27FC236}">
+                  <a16:creationId xmlns:a16="http://schemas.microsoft.com/office/drawing/2014/main" id="{1B84E315-B6A4-4D57-A36C-E3F977891CBA}"/>
+                </a:ext>
+              </a:extLst>
+            </p:cNvPr>
+            <p:cNvSpPr txBox="1"/>
+            <p:nvPr/>
+          </p:nvSpPr>
+          <p:spPr>
             <a:xfrm>
-              <a:off x="3399873" y="0"/>
-              <a:ext cx="3959225" cy="1516380"/>
+              <a:off x="2423501" y="2480298"/>
+              <a:ext cx="1681089" cy="246221"/>
             </a:xfrm>
             <a:prstGeom prst="rect">
               <a:avLst/>
             </a:prstGeom>
-            <a:ln>
-              <a:noFill/>
-            </a:ln>
-            <a:extLst>
-              <a:ext uri="{53640926-AAD7-44D8-BBD7-CCE9431645EC}">
-                <a14:shadowObscured xmlns:a14="http://schemas.microsoft.com/office/drawing/2010/main"/>
-              </a:ext>
-            </a:extLst>
+            <a:noFill/>
           </p:spPr>
-        </p:pic>
-        <p:pic>
-          <p:nvPicPr>
-            <p:cNvPr id="10" name="Picture 9">
+          <p:txBody>
+            <a:bodyPr wrap="square" rtlCol="0">
+              <a:spAutoFit/>
+            </a:bodyPr>
+            <a:lstStyle/>
+            <a:p>
+              <a:pPr algn="ctr"/>
+              <a:r>
+                <a:rPr lang="en-US" sz="1000" dirty="0">
+                  <a:latin typeface="Open Sans" panose="020B0606030504020204" pitchFamily="34" charset="0"/>
+                  <a:ea typeface="Open Sans" panose="020B0606030504020204" pitchFamily="34" charset="0"/>
+                  <a:cs typeface="Open Sans" panose="020B0606030504020204" pitchFamily="34" charset="0"/>
+                </a:rPr>
+                <a:t>Raw SEL Data</a:t>
+              </a:r>
+            </a:p>
+          </p:txBody>
+        </p:sp>
+        <p:sp>
+          <p:nvSpPr>
+            <p:cNvPr id="4" name="TextBox 3">
               <a:extLst>
                 <a:ext uri="{FF2B5EF4-FFF2-40B4-BE49-F238E27FC236}">
-                  <a16:creationId xmlns:a16="http://schemas.microsoft.com/office/drawing/2014/main" id="{C9C2C017-CE61-4651-9259-F7ADF199CF75}"/>
+                  <a16:creationId xmlns:a16="http://schemas.microsoft.com/office/drawing/2014/main" id="{17D088CD-C959-48B6-9AAE-0728B169BF2F}"/>
                 </a:ext>
               </a:extLst>
             </p:cNvPr>
-            <p:cNvPicPr>
-              <a:picLocks noChangeAspect="1"/>
-            </p:cNvPicPr>
+            <p:cNvSpPr txBox="1"/>
             <p:nvPr/>
-          </p:nvPicPr>
-          <p:blipFill>
-            <a:blip r:embed="rId3">
-              <a:extLst>
-                <a:ext uri="{28A0092B-C50C-407E-A947-70E740481C1C}">
-                  <a14:useLocalDpi xmlns:a14="http://schemas.microsoft.com/office/drawing/2010/main" val="0"/>
-                </a:ext>
-              </a:extLst>
-            </a:blip>
-            <a:stretch>
-              <a:fillRect/>
-            </a:stretch>
-          </p:blipFill>
+          </p:nvSpPr>
           <p:spPr>
             <a:xfrm>
-              <a:off x="0" y="31775"/>
-              <a:ext cx="2622550" cy="1456055"/>
+              <a:off x="6484735" y="2457450"/>
+              <a:ext cx="1681089" cy="246221"/>
             </a:xfrm>
             <a:prstGeom prst="rect">
               <a:avLst/>
             </a:prstGeom>
+            <a:noFill/>
           </p:spPr>
-        </p:pic>
-        <p:sp>
-          <p:nvSpPr>
-            <p:cNvPr id="11" name="Arrow: Right 10">
-              <a:extLst>
-                <a:ext uri="{FF2B5EF4-FFF2-40B4-BE49-F238E27FC236}">
-                  <a16:creationId xmlns:a16="http://schemas.microsoft.com/office/drawing/2014/main" id="{2D1E21BA-752A-45AA-8B25-9B474ED26DF5}"/>
-                </a:ext>
-              </a:extLst>
-            </p:cNvPr>
-            <p:cNvSpPr/>
-            <p:nvPr/>
-          </p:nvSpPr>
-          <p:spPr>
-            <a:xfrm>
-              <a:off x="2690242" y="700437"/>
-              <a:ext cx="660204" cy="132761"/>
-            </a:xfrm>
-            <a:prstGeom prst="rightArrow">
-              <a:avLst/>
-            </a:prstGeom>
-          </p:spPr>
-          <p:style>
-            <a:lnRef idx="2">
-              <a:schemeClr val="dk1">
-                <a:shade val="50000"/>
-              </a:schemeClr>
-            </a:lnRef>
-            <a:fillRef idx="1">
-              <a:schemeClr val="dk1"/>
-            </a:fillRef>
-            <a:effectRef idx="0">
-              <a:schemeClr val="dk1"/>
-            </a:effectRef>
-            <a:fontRef idx="minor">
-              <a:schemeClr val="lt1"/>
-            </a:fontRef>
-          </p:style>
           <p:txBody>
-            <a:bodyPr rot="0" spcFirstLastPara="0" vert="horz" wrap="square" lIns="91440" tIns="45720" rIns="91440" bIns="45720" numCol="1" spcCol="0" rtlCol="0" fromWordArt="0" anchor="ctr" anchorCtr="0" forceAA="0" compatLnSpc="1">
-              <a:prstTxWarp prst="textNoShape">
-                <a:avLst/>
-              </a:prstTxWarp>
-              <a:noAutofit/>
+            <a:bodyPr wrap="square" rtlCol="0">
+              <a:spAutoFit/>
             </a:bodyPr>
             <a:lstStyle/>
             <a:p>
-              <a:endParaRPr lang="en-US"/>
+              <a:pPr algn="ctr"/>
+              <a:r>
+                <a:rPr lang="en-US" sz="1000" dirty="0">
+                  <a:latin typeface="Open Sans" panose="020B0606030504020204" pitchFamily="34" charset="0"/>
+                  <a:ea typeface="Open Sans" panose="020B0606030504020204" pitchFamily="34" charset="0"/>
+                  <a:cs typeface="Open Sans" panose="020B0606030504020204" pitchFamily="34" charset="0"/>
+                </a:rPr>
+                <a:t>Parsed SEL Data</a:t>
+              </a:r>
             </a:p>
           </p:txBody>
         </p:sp>
